--- a/UE19CS204_WT_Project_Report.pptx
+++ b/UE19CS204_WT_Project_Report.pptx
@@ -961,7 +961,7 @@
           <a:p>
             <a:fld id="{37B0890D-01E6-49DF-A341-A670F1E2DAD4}" type="datetimeFigureOut">
               <a:rPr lang="en-US" smtClean="0"/>
-              <a:t>12/7/2020</a:t>
+              <a:t>12/8/2020</a:t>
             </a:fld>
             <a:endParaRPr lang="en-GB"/>
           </a:p>
@@ -1212,7 +1212,7 @@
           <a:p>
             <a:fld id="{37B0890D-01E6-49DF-A341-A670F1E2DAD4}" type="datetimeFigureOut">
               <a:rPr lang="en-US" smtClean="0"/>
-              <a:t>12/7/2020</a:t>
+              <a:t>12/8/2020</a:t>
             </a:fld>
             <a:endParaRPr lang="en-GB"/>
           </a:p>
@@ -1526,7 +1526,7 @@
           <a:p>
             <a:fld id="{37B0890D-01E6-49DF-A341-A670F1E2DAD4}" type="datetimeFigureOut">
               <a:rPr lang="en-US" smtClean="0"/>
-              <a:t>12/7/2020</a:t>
+              <a:t>12/8/2020</a:t>
             </a:fld>
             <a:endParaRPr lang="en-GB"/>
           </a:p>
@@ -1859,7 +1859,7 @@
           <a:p>
             <a:fld id="{37B0890D-01E6-49DF-A341-A670F1E2DAD4}" type="datetimeFigureOut">
               <a:rPr lang="en-US" smtClean="0"/>
-              <a:t>12/7/2020</a:t>
+              <a:t>12/8/2020</a:t>
             </a:fld>
             <a:endParaRPr lang="en-GB"/>
           </a:p>
@@ -2173,7 +2173,7 @@
           <a:p>
             <a:fld id="{37B0890D-01E6-49DF-A341-A670F1E2DAD4}" type="datetimeFigureOut">
               <a:rPr lang="en-US" smtClean="0"/>
-              <a:t>12/7/2020</a:t>
+              <a:t>12/8/2020</a:t>
             </a:fld>
             <a:endParaRPr lang="en-GB"/>
           </a:p>
@@ -2566,7 +2566,7 @@
           <a:p>
             <a:fld id="{37B0890D-01E6-49DF-A341-A670F1E2DAD4}" type="datetimeFigureOut">
               <a:rPr lang="en-US" smtClean="0"/>
-              <a:t>12/7/2020</a:t>
+              <a:t>12/8/2020</a:t>
             </a:fld>
             <a:endParaRPr lang="en-GB"/>
           </a:p>
@@ -2736,7 +2736,7 @@
           <a:p>
             <a:fld id="{37B0890D-01E6-49DF-A341-A670F1E2DAD4}" type="datetimeFigureOut">
               <a:rPr lang="en-US" smtClean="0"/>
-              <a:t>12/7/2020</a:t>
+              <a:t>12/8/2020</a:t>
             </a:fld>
             <a:endParaRPr lang="en-GB"/>
           </a:p>
@@ -2916,7 +2916,7 @@
           <a:p>
             <a:fld id="{37B0890D-01E6-49DF-A341-A670F1E2DAD4}" type="datetimeFigureOut">
               <a:rPr lang="en-US" smtClean="0"/>
-              <a:t>12/7/2020</a:t>
+              <a:t>12/8/2020</a:t>
             </a:fld>
             <a:endParaRPr lang="en-GB"/>
           </a:p>
@@ -3086,7 +3086,7 @@
           <a:p>
             <a:fld id="{37B0890D-01E6-49DF-A341-A670F1E2DAD4}" type="datetimeFigureOut">
               <a:rPr lang="en-US" smtClean="0"/>
-              <a:t>12/7/2020</a:t>
+              <a:t>12/8/2020</a:t>
             </a:fld>
             <a:endParaRPr lang="en-GB"/>
           </a:p>
@@ -3333,7 +3333,7 @@
           <a:p>
             <a:fld id="{37B0890D-01E6-49DF-A341-A670F1E2DAD4}" type="datetimeFigureOut">
               <a:rPr lang="en-US" smtClean="0"/>
-              <a:t>12/7/2020</a:t>
+              <a:t>12/8/2020</a:t>
             </a:fld>
             <a:endParaRPr lang="en-GB"/>
           </a:p>
@@ -3630,7 +3630,7 @@
           <a:p>
             <a:fld id="{37B0890D-01E6-49DF-A341-A670F1E2DAD4}" type="datetimeFigureOut">
               <a:rPr lang="en-US" smtClean="0"/>
-              <a:t>12/7/2020</a:t>
+              <a:t>12/8/2020</a:t>
             </a:fld>
             <a:endParaRPr lang="en-GB"/>
           </a:p>
@@ -4009,7 +4009,7 @@
           <a:p>
             <a:fld id="{37B0890D-01E6-49DF-A341-A670F1E2DAD4}" type="datetimeFigureOut">
               <a:rPr lang="en-US" smtClean="0"/>
-              <a:t>12/7/2020</a:t>
+              <a:t>12/8/2020</a:t>
             </a:fld>
             <a:endParaRPr lang="en-GB"/>
           </a:p>
@@ -4132,7 +4132,7 @@
           <a:p>
             <a:fld id="{37B0890D-01E6-49DF-A341-A670F1E2DAD4}" type="datetimeFigureOut">
               <a:rPr lang="en-US" smtClean="0"/>
-              <a:t>12/7/2020</a:t>
+              <a:t>12/8/2020</a:t>
             </a:fld>
             <a:endParaRPr lang="en-GB"/>
           </a:p>
@@ -4227,7 +4227,7 @@
           <a:p>
             <a:fld id="{37B0890D-01E6-49DF-A341-A670F1E2DAD4}" type="datetimeFigureOut">
               <a:rPr lang="en-US" smtClean="0"/>
-              <a:t>12/7/2020</a:t>
+              <a:t>12/8/2020</a:t>
             </a:fld>
             <a:endParaRPr lang="en-GB"/>
           </a:p>
@@ -4482,7 +4482,7 @@
           <a:p>
             <a:fld id="{37B0890D-01E6-49DF-A341-A670F1E2DAD4}" type="datetimeFigureOut">
               <a:rPr lang="en-US" smtClean="0"/>
-              <a:t>12/7/2020</a:t>
+              <a:t>12/8/2020</a:t>
             </a:fld>
             <a:endParaRPr lang="en-GB"/>
           </a:p>
@@ -4745,7 +4745,7 @@
           <a:p>
             <a:fld id="{37B0890D-01E6-49DF-A341-A670F1E2DAD4}" type="datetimeFigureOut">
               <a:rPr lang="en-US" smtClean="0"/>
-              <a:t>12/7/2020</a:t>
+              <a:t>12/8/2020</a:t>
             </a:fld>
             <a:endParaRPr lang="en-GB"/>
           </a:p>
@@ -5559,7 +5559,7 @@
           <a:p>
             <a:fld id="{37B0890D-01E6-49DF-A341-A670F1E2DAD4}" type="datetimeFigureOut">
               <a:rPr lang="en-US" smtClean="0"/>
-              <a:t>12/7/2020</a:t>
+              <a:t>12/8/2020</a:t>
             </a:fld>
             <a:endParaRPr lang="en-GB"/>
           </a:p>
@@ -6604,7 +6604,16 @@
                 <a:ea typeface="Calibri" panose="020F0502020204030204" pitchFamily="34" charset="0"/>
                 <a:cs typeface="Times New Roman" panose="02020603050405020304" pitchFamily="18" charset="0"/>
               </a:rPr>
-              <a:t>og up for adoption  (identity verification, etc.)</a:t>
+              <a:t>og up for </a:t>
+            </a:r>
+            <a:r>
+              <a:rPr lang="en-US" sz="1800">
+                <a:effectLst/>
+                <a:latin typeface="Calibri" panose="020F0502020204030204" pitchFamily="34" charset="0"/>
+                <a:ea typeface="Calibri" panose="020F0502020204030204" pitchFamily="34" charset="0"/>
+                <a:cs typeface="Times New Roman" panose="02020603050405020304" pitchFamily="18" charset="0"/>
+              </a:rPr>
+              <a:t>adoption </a:t>
             </a:r>
           </a:p>
           <a:p>
@@ -6622,13 +6631,22 @@
               <a:buChar char=""/>
             </a:pPr>
             <a:r>
+              <a:rPr lang="en-US" sz="1800">
+                <a:effectLst/>
+                <a:latin typeface="Calibri" panose="020F0502020204030204" pitchFamily="34" charset="0"/>
+                <a:ea typeface="Calibri" panose="020F0502020204030204" pitchFamily="34" charset="0"/>
+                <a:cs typeface="Times New Roman" panose="02020603050405020304" pitchFamily="18" charset="0"/>
+              </a:rPr>
+              <a:t>Listing </a:t>
+            </a:r>
+            <a:r>
               <a:rPr lang="en-US" sz="1800" dirty="0">
                 <a:effectLst/>
                 <a:latin typeface="Calibri" panose="020F0502020204030204" pitchFamily="34" charset="0"/>
                 <a:ea typeface="Calibri" panose="020F0502020204030204" pitchFamily="34" charset="0"/>
                 <a:cs typeface="Times New Roman" panose="02020603050405020304" pitchFamily="18" charset="0"/>
               </a:rPr>
-              <a:t>Listing page (For all available dog, categorized with different filters)-Searching, Sorting, etc. </a:t>
+              <a:t>page (For all available dog, categorized with different filters)-Searching, Sorting, etc. </a:t>
             </a:r>
           </a:p>
           <a:p>
@@ -7071,7 +7089,12 @@
             <p:ph idx="1"/>
           </p:nvPr>
         </p:nvSpPr>
-        <p:spPr/>
+        <p:spPr>
+          <a:xfrm>
+            <a:off x="609599" y="2209800"/>
+            <a:ext cx="6347714" cy="3831563"/>
+          </a:xfrm>
+        </p:spPr>
         <p:txBody>
           <a:bodyPr>
             <a:normAutofit/>
@@ -7088,7 +7111,7 @@
             </a:r>
             <a:r>
               <a:rPr lang="en-GB" sz="2000" dirty="0"/>
-              <a:t> Sujith :- Header , Nav Bar(with links), Routing to dog       pages, Routing dog breed with back-end.</a:t>
+              <a:t> Sujith :- Header , Nav Bar(with links), Routing to dog pages , MongoDB connectivity with filtering of dog breeds.</a:t>
             </a:r>
           </a:p>
           <a:p>
@@ -7099,8 +7122,28 @@
           </a:p>
           <a:p>
             <a:r>
+              <a:rPr lang="en-GB" sz="2000" dirty="0" err="1"/>
+              <a:t>Rajath</a:t>
+            </a:r>
+            <a:r>
               <a:rPr lang="en-GB" sz="2000" dirty="0"/>
-              <a:t>Rajath R Maragiri :- Body Template with main contents, Page styling with images, MongoDB connectivity with filtering of dog breeds.</a:t>
+              <a:t> R </a:t>
+            </a:r>
+            <a:r>
+              <a:rPr lang="en-GB" sz="2000" dirty="0" err="1"/>
+              <a:t>Maragiri</a:t>
+            </a:r>
+            <a:r>
+              <a:rPr lang="en-GB" sz="2000" dirty="0"/>
+              <a:t> :- Body Template with main contents, Page styling with images, get request for the </a:t>
+            </a:r>
+            <a:r>
+              <a:rPr lang="en-GB" sz="2000" dirty="0" err="1"/>
+              <a:t>catrgories</a:t>
+            </a:r>
+            <a:r>
+              <a:rPr lang="en-GB" sz="2000" dirty="0"/>
+              <a:t>.</a:t>
             </a:r>
           </a:p>
         </p:txBody>

--- a/UE19CS204_WT_Project_Report.pptx
+++ b/UE19CS204_WT_Project_Report.pptx
@@ -6604,16 +6604,7 @@
                 <a:ea typeface="Calibri" panose="020F0502020204030204" pitchFamily="34" charset="0"/>
                 <a:cs typeface="Times New Roman" panose="02020603050405020304" pitchFamily="18" charset="0"/>
               </a:rPr>
-              <a:t>og up for </a:t>
-            </a:r>
-            <a:r>
-              <a:rPr lang="en-US" sz="1800">
-                <a:effectLst/>
-                <a:latin typeface="Calibri" panose="020F0502020204030204" pitchFamily="34" charset="0"/>
-                <a:ea typeface="Calibri" panose="020F0502020204030204" pitchFamily="34" charset="0"/>
-                <a:cs typeface="Times New Roman" panose="02020603050405020304" pitchFamily="18" charset="0"/>
-              </a:rPr>
-              <a:t>adoption </a:t>
+              <a:t>og up for adoption </a:t>
             </a:r>
           </a:p>
           <a:p>
@@ -6631,22 +6622,13 @@
               <a:buChar char=""/>
             </a:pPr>
             <a:r>
-              <a:rPr lang="en-US" sz="1800">
-                <a:effectLst/>
-                <a:latin typeface="Calibri" panose="020F0502020204030204" pitchFamily="34" charset="0"/>
-                <a:ea typeface="Calibri" panose="020F0502020204030204" pitchFamily="34" charset="0"/>
-                <a:cs typeface="Times New Roman" panose="02020603050405020304" pitchFamily="18" charset="0"/>
-              </a:rPr>
-              <a:t>Listing </a:t>
-            </a:r>
-            <a:r>
               <a:rPr lang="en-US" sz="1800" dirty="0">
                 <a:effectLst/>
                 <a:latin typeface="Calibri" panose="020F0502020204030204" pitchFamily="34" charset="0"/>
                 <a:ea typeface="Calibri" panose="020F0502020204030204" pitchFamily="34" charset="0"/>
                 <a:cs typeface="Times New Roman" panose="02020603050405020304" pitchFamily="18" charset="0"/>
               </a:rPr>
-              <a:t>page (For all available dog, categorized with different filters)-Searching, Sorting, etc. </a:t>
+              <a:t>Listing page (For all available dog, categorized with different filters)-Searching, Sorting, etc. </a:t>
             </a:r>
           </a:p>
           <a:p>
@@ -6767,7 +6749,7 @@
         </p:spPr>
         <p:txBody>
           <a:bodyPr>
-            <a:normAutofit fontScale="55000" lnSpcReduction="20000"/>
+            <a:normAutofit fontScale="62500" lnSpcReduction="20000"/>
           </a:bodyPr>
           <a:lstStyle/>
           <a:p>
@@ -6786,28 +6768,19 @@
             </a:r>
           </a:p>
           <a:p>
-            <a:pPr marL="0" indent="0" fontAlgn="base">
+            <a:pPr marL="457200" lvl="1" indent="0">
               <a:buNone/>
             </a:pPr>
             <a:r>
-              <a:rPr lang="en-US" dirty="0"/>
-              <a:t>             </a:t>
-            </a:r>
-            <a:r>
-              <a:rPr lang="en-US" sz="2600" b="0" i="0" dirty="0">
+              <a:rPr lang="en-US" sz="2600" b="0" i="0">
                 <a:solidFill>
                   <a:srgbClr val="000000"/>
                 </a:solidFill>
                 <a:effectLst/>
                 <a:latin typeface="inherit"/>
               </a:rPr>
-              <a:t>body-parser: ^1.19.0</a:t>
-            </a:r>
-          </a:p>
-          <a:p>
-            <a:pPr marL="0" indent="0" fontAlgn="base">
-              <a:buNone/>
-            </a:pPr>
+              <a:t>  express</a:t>
+            </a:r>
             <a:r>
               <a:rPr lang="en-US" sz="2600" b="0" i="0" dirty="0">
                 <a:solidFill>
@@ -6816,7 +6789,7 @@
                 <a:effectLst/>
                 <a:latin typeface="inherit"/>
               </a:rPr>
-              <a:t>            express: ^4.17.1</a:t>
+              <a:t>: ^4.17.1</a:t>
             </a:r>
           </a:p>
           <a:p>
